--- a/Presentations/Sprint5Powerpoint.pptx
+++ b/Presentations/Sprint5Powerpoint.pptx
@@ -115,6 +115,10 @@
 </p:presentation>
 </file>
 
+<file path=ppt/revisionInfo.xml><?xml version="1.0" encoding="utf-8"?>
+<p1510:revInfo xmlns:a="http://schemas.openxmlformats.org/drawingml/2006/main" xmlns:r="http://schemas.openxmlformats.org/officeDocument/2006/relationships" xmlns:p1510="http://schemas.microsoft.com/office/powerpoint/2015/10/main"/>
+</file>
+
 <file path=ppt/slideLayouts/slideLayout1.xml><?xml version="1.0" encoding="utf-8"?>
 <p:sldLayout xmlns:a="http://schemas.openxmlformats.org/drawingml/2006/main" xmlns:r="http://schemas.openxmlformats.org/officeDocument/2006/relationships" xmlns:p="http://schemas.openxmlformats.org/presentationml/2006/main" showMasterSp="0" type="title" preserve="1">
   <p:cSld name="Title Slide">
@@ -245,7 +249,7 @@
           </a:lstStyle>
           <a:p>
             <a:r>
-              <a:rPr lang="en-US" smtClean="0"/>
+              <a:rPr lang="en-US"/>
               <a:t>Click to edit Master title style</a:t>
             </a:r>
             <a:endParaRPr lang="en-US" dirty="0"/>
@@ -317,7 +321,7 @@
           </a:lstStyle>
           <a:p>
             <a:r>
-              <a:rPr lang="en-US" smtClean="0"/>
+              <a:rPr lang="en-US"/>
               <a:t>Click to edit Master subtitle style</a:t>
             </a:r>
             <a:endParaRPr lang="en-US" dirty="0"/>
@@ -341,7 +345,7 @@
           <a:p>
             <a:fld id="{39658178-106B-C342-8C1C-CAC123CDE183}" type="datetimeFigureOut">
               <a:rPr lang="en-US" smtClean="0"/>
-              <a:t>12/5/17</a:t>
+              <a:t>12/5/2017</a:t>
             </a:fld>
             <a:endParaRPr lang="en-US"/>
           </a:p>
@@ -473,7 +477,7 @@
           <a:lstStyle/>
           <a:p>
             <a:r>
-              <a:rPr lang="en-US" smtClean="0"/>
+              <a:rPr lang="en-US"/>
               <a:t>Click to edit Master title style</a:t>
             </a:r>
             <a:endParaRPr lang="en-US" dirty="0"/>
@@ -497,35 +501,35 @@
           <a:p>
             <a:pPr lvl="0"/>
             <a:r>
-              <a:rPr lang="en-US" smtClean="0"/>
+              <a:rPr lang="en-US"/>
               <a:t>Click to edit Master text styles</a:t>
             </a:r>
           </a:p>
           <a:p>
             <a:pPr lvl="1"/>
             <a:r>
-              <a:rPr lang="en-US" smtClean="0"/>
+              <a:rPr lang="en-US"/>
               <a:t>Second level</a:t>
             </a:r>
           </a:p>
           <a:p>
             <a:pPr lvl="2"/>
             <a:r>
-              <a:rPr lang="en-US" smtClean="0"/>
+              <a:rPr lang="en-US"/>
               <a:t>Third level</a:t>
             </a:r>
           </a:p>
           <a:p>
             <a:pPr lvl="3"/>
             <a:r>
-              <a:rPr lang="en-US" smtClean="0"/>
+              <a:rPr lang="en-US"/>
               <a:t>Fourth level</a:t>
             </a:r>
           </a:p>
           <a:p>
             <a:pPr lvl="4"/>
             <a:r>
-              <a:rPr lang="en-US" smtClean="0"/>
+              <a:rPr lang="en-US"/>
               <a:t>Fifth level</a:t>
             </a:r>
             <a:endParaRPr lang="en-US" dirty="0"/>
@@ -549,7 +553,7 @@
           <a:p>
             <a:fld id="{39658178-106B-C342-8C1C-CAC123CDE183}" type="datetimeFigureOut">
               <a:rPr lang="en-US" smtClean="0"/>
-              <a:t>12/5/17</a:t>
+              <a:t>12/5/2017</a:t>
             </a:fld>
             <a:endParaRPr lang="en-US"/>
           </a:p>
@@ -724,7 +728,7 @@
           <a:lstStyle/>
           <a:p>
             <a:r>
-              <a:rPr lang="en-US" smtClean="0"/>
+              <a:rPr lang="en-US"/>
               <a:t>Click to edit Master title style</a:t>
             </a:r>
             <a:endParaRPr lang="en-US" dirty="0"/>
@@ -753,35 +757,35 @@
           <a:p>
             <a:pPr lvl="0"/>
             <a:r>
-              <a:rPr lang="en-US" smtClean="0"/>
+              <a:rPr lang="en-US"/>
               <a:t>Click to edit Master text styles</a:t>
             </a:r>
           </a:p>
           <a:p>
             <a:pPr lvl="1"/>
             <a:r>
-              <a:rPr lang="en-US" smtClean="0"/>
+              <a:rPr lang="en-US"/>
               <a:t>Second level</a:t>
             </a:r>
           </a:p>
           <a:p>
             <a:pPr lvl="2"/>
             <a:r>
-              <a:rPr lang="en-US" smtClean="0"/>
+              <a:rPr lang="en-US"/>
               <a:t>Third level</a:t>
             </a:r>
           </a:p>
           <a:p>
             <a:pPr lvl="3"/>
             <a:r>
-              <a:rPr lang="en-US" smtClean="0"/>
+              <a:rPr lang="en-US"/>
               <a:t>Fourth level</a:t>
             </a:r>
           </a:p>
           <a:p>
             <a:pPr lvl="4"/>
             <a:r>
-              <a:rPr lang="en-US" smtClean="0"/>
+              <a:rPr lang="en-US"/>
               <a:t>Fifth level</a:t>
             </a:r>
             <a:endParaRPr lang="en-US" dirty="0"/>
@@ -805,7 +809,7 @@
           <a:p>
             <a:fld id="{39658178-106B-C342-8C1C-CAC123CDE183}" type="datetimeFigureOut">
               <a:rPr lang="en-US" smtClean="0"/>
-              <a:t>12/5/17</a:t>
+              <a:t>12/5/2017</a:t>
             </a:fld>
             <a:endParaRPr lang="en-US"/>
           </a:p>
@@ -903,7 +907,7 @@
           </a:lstStyle>
           <a:p>
             <a:r>
-              <a:rPr lang="en-US" smtClean="0"/>
+              <a:rPr lang="en-US"/>
               <a:t>Click to edit Master title style</a:t>
             </a:r>
             <a:endParaRPr lang="en-US" dirty="0"/>
@@ -927,35 +931,35 @@
           <a:p>
             <a:pPr lvl="0"/>
             <a:r>
-              <a:rPr lang="en-US" smtClean="0"/>
+              <a:rPr lang="en-US"/>
               <a:t>Click to edit Master text styles</a:t>
             </a:r>
           </a:p>
           <a:p>
             <a:pPr lvl="1"/>
             <a:r>
-              <a:rPr lang="en-US" smtClean="0"/>
+              <a:rPr lang="en-US"/>
               <a:t>Second level</a:t>
             </a:r>
           </a:p>
           <a:p>
             <a:pPr lvl="2"/>
             <a:r>
-              <a:rPr lang="en-US" smtClean="0"/>
+              <a:rPr lang="en-US"/>
               <a:t>Third level</a:t>
             </a:r>
           </a:p>
           <a:p>
             <a:pPr lvl="3"/>
             <a:r>
-              <a:rPr lang="en-US" smtClean="0"/>
+              <a:rPr lang="en-US"/>
               <a:t>Fourth level</a:t>
             </a:r>
           </a:p>
           <a:p>
             <a:pPr lvl="4"/>
             <a:r>
-              <a:rPr lang="en-US" smtClean="0"/>
+              <a:rPr lang="en-US"/>
               <a:t>Fifth level</a:t>
             </a:r>
             <a:endParaRPr lang="en-US" dirty="0"/>
@@ -979,7 +983,7 @@
           <a:p>
             <a:fld id="{39658178-106B-C342-8C1C-CAC123CDE183}" type="datetimeFigureOut">
               <a:rPr lang="en-US" smtClean="0"/>
-              <a:t>12/5/17</a:t>
+              <a:t>12/5/2017</a:t>
             </a:fld>
             <a:endParaRPr lang="en-US"/>
           </a:p>
@@ -1178,7 +1182,7 @@
           </a:lstStyle>
           <a:p>
             <a:r>
-              <a:rPr lang="en-US" smtClean="0"/>
+              <a:rPr lang="en-US"/>
               <a:t>Click to edit Master title style</a:t>
             </a:r>
             <a:endParaRPr lang="en-US" dirty="0"/>
@@ -1299,7 +1303,7 @@
           <a:p>
             <a:pPr lvl="0"/>
             <a:r>
-              <a:rPr lang="en-US" smtClean="0"/>
+              <a:rPr lang="en-US"/>
               <a:t>Click to edit Master text styles</a:t>
             </a:r>
           </a:p>
@@ -1322,7 +1326,7 @@
           <a:p>
             <a:fld id="{39658178-106B-C342-8C1C-CAC123CDE183}" type="datetimeFigureOut">
               <a:rPr lang="en-US" smtClean="0"/>
-              <a:t>12/5/17</a:t>
+              <a:t>12/5/2017</a:t>
             </a:fld>
             <a:endParaRPr lang="en-US"/>
           </a:p>
@@ -1459,7 +1463,7 @@
           <a:lstStyle/>
           <a:p>
             <a:r>
-              <a:rPr lang="en-US" smtClean="0"/>
+              <a:rPr lang="en-US"/>
               <a:t>Click to edit Master title style</a:t>
             </a:r>
             <a:endParaRPr lang="en-US" dirty="0"/>
@@ -1488,35 +1492,35 @@
           <a:p>
             <a:pPr lvl="0"/>
             <a:r>
-              <a:rPr lang="en-US" smtClean="0"/>
+              <a:rPr lang="en-US"/>
               <a:t>Click to edit Master text styles</a:t>
             </a:r>
           </a:p>
           <a:p>
             <a:pPr lvl="1"/>
             <a:r>
-              <a:rPr lang="en-US" smtClean="0"/>
+              <a:rPr lang="en-US"/>
               <a:t>Second level</a:t>
             </a:r>
           </a:p>
           <a:p>
             <a:pPr lvl="2"/>
             <a:r>
-              <a:rPr lang="en-US" smtClean="0"/>
+              <a:rPr lang="en-US"/>
               <a:t>Third level</a:t>
             </a:r>
           </a:p>
           <a:p>
             <a:pPr lvl="3"/>
             <a:r>
-              <a:rPr lang="en-US" smtClean="0"/>
+              <a:rPr lang="en-US"/>
               <a:t>Fourth level</a:t>
             </a:r>
           </a:p>
           <a:p>
             <a:pPr lvl="4"/>
             <a:r>
-              <a:rPr lang="en-US" smtClean="0"/>
+              <a:rPr lang="en-US"/>
               <a:t>Fifth level</a:t>
             </a:r>
             <a:endParaRPr lang="en-US" dirty="0"/>
@@ -1545,35 +1549,35 @@
           <a:p>
             <a:pPr lvl="0"/>
             <a:r>
-              <a:rPr lang="en-US" smtClean="0"/>
+              <a:rPr lang="en-US"/>
               <a:t>Click to edit Master text styles</a:t>
             </a:r>
           </a:p>
           <a:p>
             <a:pPr lvl="1"/>
             <a:r>
-              <a:rPr lang="en-US" smtClean="0"/>
+              <a:rPr lang="en-US"/>
               <a:t>Second level</a:t>
             </a:r>
           </a:p>
           <a:p>
             <a:pPr lvl="2"/>
             <a:r>
-              <a:rPr lang="en-US" smtClean="0"/>
+              <a:rPr lang="en-US"/>
               <a:t>Third level</a:t>
             </a:r>
           </a:p>
           <a:p>
             <a:pPr lvl="3"/>
             <a:r>
-              <a:rPr lang="en-US" smtClean="0"/>
+              <a:rPr lang="en-US"/>
               <a:t>Fourth level</a:t>
             </a:r>
           </a:p>
           <a:p>
             <a:pPr lvl="4"/>
             <a:r>
-              <a:rPr lang="en-US" smtClean="0"/>
+              <a:rPr lang="en-US"/>
               <a:t>Fifth level</a:t>
             </a:r>
             <a:endParaRPr lang="en-US" dirty="0"/>
@@ -1597,7 +1601,7 @@
           <a:p>
             <a:fld id="{39658178-106B-C342-8C1C-CAC123CDE183}" type="datetimeFigureOut">
               <a:rPr lang="en-US" smtClean="0"/>
-              <a:t>12/5/17</a:t>
+              <a:t>12/5/2017</a:t>
             </a:fld>
             <a:endParaRPr lang="en-US"/>
           </a:p>
@@ -1696,7 +1700,7 @@
           <a:lstStyle/>
           <a:p>
             <a:r>
-              <a:rPr lang="en-US" smtClean="0"/>
+              <a:rPr lang="en-US"/>
               <a:t>Click to edit Master title style</a:t>
             </a:r>
             <a:endParaRPr lang="en-US" dirty="0"/>
@@ -1768,7 +1772,7 @@
           <a:p>
             <a:pPr lvl="0"/>
             <a:r>
-              <a:rPr lang="en-US" smtClean="0"/>
+              <a:rPr lang="en-US"/>
               <a:t>Click to edit Master text styles</a:t>
             </a:r>
           </a:p>
@@ -1796,35 +1800,35 @@
           <a:p>
             <a:pPr lvl="0"/>
             <a:r>
-              <a:rPr lang="en-US" smtClean="0"/>
+              <a:rPr lang="en-US"/>
               <a:t>Click to edit Master text styles</a:t>
             </a:r>
           </a:p>
           <a:p>
             <a:pPr lvl="1"/>
             <a:r>
-              <a:rPr lang="en-US" smtClean="0"/>
+              <a:rPr lang="en-US"/>
               <a:t>Second level</a:t>
             </a:r>
           </a:p>
           <a:p>
             <a:pPr lvl="2"/>
             <a:r>
-              <a:rPr lang="en-US" smtClean="0"/>
+              <a:rPr lang="en-US"/>
               <a:t>Third level</a:t>
             </a:r>
           </a:p>
           <a:p>
             <a:pPr lvl="3"/>
             <a:r>
-              <a:rPr lang="en-US" smtClean="0"/>
+              <a:rPr lang="en-US"/>
               <a:t>Fourth level</a:t>
             </a:r>
           </a:p>
           <a:p>
             <a:pPr lvl="4"/>
             <a:r>
-              <a:rPr lang="en-US" smtClean="0"/>
+              <a:rPr lang="en-US"/>
               <a:t>Fifth level</a:t>
             </a:r>
             <a:endParaRPr lang="en-US" dirty="0"/>
@@ -1896,7 +1900,7 @@
           <a:p>
             <a:pPr lvl="0"/>
             <a:r>
-              <a:rPr lang="en-US" smtClean="0"/>
+              <a:rPr lang="en-US"/>
               <a:t>Click to edit Master text styles</a:t>
             </a:r>
           </a:p>
@@ -1924,35 +1928,35 @@
           <a:p>
             <a:pPr lvl="0"/>
             <a:r>
-              <a:rPr lang="en-US" smtClean="0"/>
+              <a:rPr lang="en-US"/>
               <a:t>Click to edit Master text styles</a:t>
             </a:r>
           </a:p>
           <a:p>
             <a:pPr lvl="1"/>
             <a:r>
-              <a:rPr lang="en-US" smtClean="0"/>
+              <a:rPr lang="en-US"/>
               <a:t>Second level</a:t>
             </a:r>
           </a:p>
           <a:p>
             <a:pPr lvl="2"/>
             <a:r>
-              <a:rPr lang="en-US" smtClean="0"/>
+              <a:rPr lang="en-US"/>
               <a:t>Third level</a:t>
             </a:r>
           </a:p>
           <a:p>
             <a:pPr lvl="3"/>
             <a:r>
-              <a:rPr lang="en-US" smtClean="0"/>
+              <a:rPr lang="en-US"/>
               <a:t>Fourth level</a:t>
             </a:r>
           </a:p>
           <a:p>
             <a:pPr lvl="4"/>
             <a:r>
-              <a:rPr lang="en-US" smtClean="0"/>
+              <a:rPr lang="en-US"/>
               <a:t>Fifth level</a:t>
             </a:r>
             <a:endParaRPr lang="en-US" dirty="0"/>
@@ -1976,7 +1980,7 @@
           <a:p>
             <a:fld id="{39658178-106B-C342-8C1C-CAC123CDE183}" type="datetimeFigureOut">
               <a:rPr lang="en-US" smtClean="0"/>
-              <a:t>12/5/17</a:t>
+              <a:t>12/5/2017</a:t>
             </a:fld>
             <a:endParaRPr lang="en-US"/>
           </a:p>
@@ -2070,7 +2074,7 @@
           <a:lstStyle/>
           <a:p>
             <a:r>
-              <a:rPr lang="en-US" smtClean="0"/>
+              <a:rPr lang="en-US"/>
               <a:t>Click to edit Master title style</a:t>
             </a:r>
             <a:endParaRPr lang="en-US" dirty="0"/>
@@ -2094,7 +2098,7 @@
           <a:p>
             <a:fld id="{39658178-106B-C342-8C1C-CAC123CDE183}" type="datetimeFigureOut">
               <a:rPr lang="en-US" smtClean="0"/>
-              <a:t>12/5/17</a:t>
+              <a:t>12/5/2017</a:t>
             </a:fld>
             <a:endParaRPr lang="en-US"/>
           </a:p>
@@ -2265,7 +2269,7 @@
           <a:p>
             <a:fld id="{39658178-106B-C342-8C1C-CAC123CDE183}" type="datetimeFigureOut">
               <a:rPr lang="en-US" smtClean="0"/>
-              <a:t>12/5/17</a:t>
+              <a:t>12/5/2017</a:t>
             </a:fld>
             <a:endParaRPr lang="en-US"/>
           </a:p>
@@ -2458,7 +2462,7 @@
           </a:lstStyle>
           <a:p>
             <a:r>
-              <a:rPr lang="en-US" smtClean="0"/>
+              <a:rPr lang="en-US"/>
               <a:t>Click to edit Master title style</a:t>
             </a:r>
             <a:endParaRPr lang="en-US" dirty="0"/>
@@ -2487,35 +2491,35 @@
           <a:p>
             <a:pPr lvl="0"/>
             <a:r>
-              <a:rPr lang="en-US" smtClean="0"/>
+              <a:rPr lang="en-US"/>
               <a:t>Click to edit Master text styles</a:t>
             </a:r>
           </a:p>
           <a:p>
             <a:pPr lvl="1"/>
             <a:r>
-              <a:rPr lang="en-US" smtClean="0"/>
+              <a:rPr lang="en-US"/>
               <a:t>Second level</a:t>
             </a:r>
           </a:p>
           <a:p>
             <a:pPr lvl="2"/>
             <a:r>
-              <a:rPr lang="en-US" smtClean="0"/>
+              <a:rPr lang="en-US"/>
               <a:t>Third level</a:t>
             </a:r>
           </a:p>
           <a:p>
             <a:pPr lvl="3"/>
             <a:r>
-              <a:rPr lang="en-US" smtClean="0"/>
+              <a:rPr lang="en-US"/>
               <a:t>Fourth level</a:t>
             </a:r>
           </a:p>
           <a:p>
             <a:pPr lvl="4"/>
             <a:r>
-              <a:rPr lang="en-US" smtClean="0"/>
+              <a:rPr lang="en-US"/>
               <a:t>Fifth level</a:t>
             </a:r>
             <a:endParaRPr lang="en-US" dirty="0"/>
@@ -2587,7 +2591,7 @@
           <a:p>
             <a:pPr lvl="0"/>
             <a:r>
-              <a:rPr lang="en-US" smtClean="0"/>
+              <a:rPr lang="en-US"/>
               <a:t>Click to edit Master text styles</a:t>
             </a:r>
           </a:p>
@@ -2619,7 +2623,7 @@
           <a:p>
             <a:fld id="{39658178-106B-C342-8C1C-CAC123CDE183}" type="datetimeFigureOut">
               <a:rPr lang="en-US" smtClean="0"/>
-              <a:t>12/5/17</a:t>
+              <a:t>12/5/2017</a:t>
             </a:fld>
             <a:endParaRPr lang="en-US"/>
           </a:p>
@@ -2825,7 +2829,7 @@
           </a:lstStyle>
           <a:p>
             <a:r>
-              <a:rPr lang="en-US" smtClean="0"/>
+              <a:rPr lang="en-US"/>
               <a:t>Click to edit Master title style</a:t>
             </a:r>
             <a:endParaRPr lang="en-US" dirty="0"/>
@@ -2900,7 +2904,7 @@
           </a:lstStyle>
           <a:p>
             <a:r>
-              <a:rPr lang="en-US" smtClean="0"/>
+              <a:rPr lang="en-US"/>
               <a:t>Drag picture to placeholder or click icon to add</a:t>
             </a:r>
             <a:endParaRPr lang="en-US" dirty="0"/>
@@ -2978,7 +2982,7 @@
           <a:p>
             <a:pPr lvl="0"/>
             <a:r>
-              <a:rPr lang="en-US" smtClean="0"/>
+              <a:rPr lang="en-US"/>
               <a:t>Click to edit Master text styles</a:t>
             </a:r>
           </a:p>
@@ -3001,7 +3005,7 @@
           <a:p>
             <a:fld id="{39658178-106B-C342-8C1C-CAC123CDE183}" type="datetimeFigureOut">
               <a:rPr lang="en-US" smtClean="0"/>
-              <a:t>12/5/17</a:t>
+              <a:t>12/5/2017</a:t>
             </a:fld>
             <a:endParaRPr lang="en-US"/>
           </a:p>
@@ -3186,7 +3190,7 @@
           <a:lstStyle/>
           <a:p>
             <a:r>
-              <a:rPr lang="en-US" smtClean="0"/>
+              <a:rPr lang="en-US"/>
               <a:t>Click to edit Master title style</a:t>
             </a:r>
             <a:endParaRPr lang="en-US" dirty="0"/>
@@ -3220,35 +3224,35 @@
           <a:p>
             <a:pPr lvl="0"/>
             <a:r>
-              <a:rPr lang="en-US" smtClean="0"/>
+              <a:rPr lang="en-US"/>
               <a:t>Click to edit Master text styles</a:t>
             </a:r>
           </a:p>
           <a:p>
             <a:pPr lvl="1"/>
             <a:r>
-              <a:rPr lang="en-US" smtClean="0"/>
+              <a:rPr lang="en-US"/>
               <a:t>Second level</a:t>
             </a:r>
           </a:p>
           <a:p>
             <a:pPr lvl="2"/>
             <a:r>
-              <a:rPr lang="en-US" smtClean="0"/>
+              <a:rPr lang="en-US"/>
               <a:t>Third level</a:t>
             </a:r>
           </a:p>
           <a:p>
             <a:pPr lvl="3"/>
             <a:r>
-              <a:rPr lang="en-US" smtClean="0"/>
+              <a:rPr lang="en-US"/>
               <a:t>Fourth level</a:t>
             </a:r>
           </a:p>
           <a:p>
             <a:pPr lvl="4"/>
             <a:r>
-              <a:rPr lang="en-US" smtClean="0"/>
+              <a:rPr lang="en-US"/>
               <a:t>Fifth level</a:t>
             </a:r>
             <a:endParaRPr lang="en-US" dirty="0"/>
@@ -3288,7 +3292,7 @@
           <a:p>
             <a:fld id="{39658178-106B-C342-8C1C-CAC123CDE183}" type="datetimeFigureOut">
               <a:rPr lang="en-US" smtClean="0"/>
-              <a:t>12/5/17</a:t>
+              <a:t>12/5/2017</a:t>
             </a:fld>
             <a:endParaRPr lang="en-US"/>
           </a:p>
@@ -3833,10 +3837,9 @@
           <a:lstStyle/>
           <a:p>
             <a:r>
-              <a:rPr lang="en-US" dirty="0" smtClean="0"/>
-              <a:t>Hank, Cameron, Cheyanne, Chase</a:t>
-            </a:r>
-            <a:endParaRPr lang="en-US" dirty="0"/>
+              <a:rPr lang="en-US" dirty="0"/>
+              <a:t>Hank, Cameron, Cheyanne, (Chase?)</a:t>
+            </a:r>
           </a:p>
         </p:txBody>
       </p:sp>
@@ -3888,7 +3891,7 @@
           <a:p>
             <a:pPr algn="ctr"/>
             <a:r>
-              <a:rPr lang="en-US" sz="8000" b="0" cap="none" spc="0" dirty="0" smtClean="0">
+              <a:rPr lang="en-US" sz="8000" b="0" cap="none" spc="0" dirty="0">
                 <a:ln w="0"/>
                 <a:solidFill>
                   <a:schemeClr val="tx1"/>
@@ -3903,19 +3906,6 @@
               </a:rPr>
               <a:t>Cleverbudget</a:t>
             </a:r>
-            <a:endParaRPr lang="en-US" sz="8000" b="0" cap="none" spc="0" dirty="0">
-              <a:ln w="0"/>
-              <a:solidFill>
-                <a:schemeClr val="tx1"/>
-              </a:solidFill>
-              <a:effectLst>
-                <a:outerShdw blurRad="38100" dist="19050" dir="2700000" algn="tl" rotWithShape="0">
-                  <a:schemeClr val="dk1">
-                    <a:alpha val="40000"/>
-                  </a:schemeClr>
-                </a:outerShdw>
-              </a:effectLst>
-            </a:endParaRPr>
           </a:p>
         </p:txBody>
       </p:sp>
@@ -3965,14 +3955,9 @@
           <a:lstStyle/>
           <a:p>
             <a:r>
-              <a:rPr lang="en-US" dirty="0" smtClean="0"/>
-              <a:t>Overview of Sprint </a:t>
-            </a:r>
-            <a:r>
-              <a:rPr lang="en-US" dirty="0" smtClean="0"/>
-              <a:t>5</a:t>
-            </a:r>
-            <a:endParaRPr lang="en-US" dirty="0"/>
+              <a:rPr lang="en-US" dirty="0"/>
+              <a:t>Overview of Sprint 5</a:t>
+            </a:r>
           </a:p>
         </p:txBody>
       </p:sp>
@@ -3988,36 +3973,49 @@
         </p:nvSpPr>
         <p:spPr/>
         <p:txBody>
-          <a:bodyPr/>
-          <a:lstStyle/>
-          <a:p>
-            <a:r>
-              <a:rPr lang="en-US" dirty="0" smtClean="0"/>
-              <a:t>Added functionality to </a:t>
-            </a:r>
-            <a:r>
-              <a:rPr lang="en-US" dirty="0" smtClean="0"/>
-              <a:t>filter button</a:t>
-            </a:r>
-          </a:p>
-          <a:p>
-            <a:r>
-              <a:rPr lang="en-US" dirty="0" smtClean="0"/>
+          <a:bodyPr>
+            <a:normAutofit/>
+          </a:bodyPr>
+          <a:lstStyle/>
+          <a:p>
+            <a:pPr lvl="1">
+              <a:buFont typeface="Arial" panose="020B0604020202020204" pitchFamily="34" charset="0"/>
+              <a:buChar char="•"/>
+            </a:pPr>
+            <a:r>
+              <a:rPr lang="en-US" sz="2000" dirty="0"/>
+              <a:t>Added functionality to filter button</a:t>
+            </a:r>
+          </a:p>
+          <a:p>
+            <a:pPr lvl="1">
+              <a:buFont typeface="Arial" panose="020B0604020202020204" pitchFamily="34" charset="0"/>
+              <a:buChar char="•"/>
+            </a:pPr>
+            <a:r>
+              <a:rPr lang="en-US" sz="2000" dirty="0"/>
               <a:t>Refined Design</a:t>
             </a:r>
           </a:p>
           <a:p>
-            <a:r>
-              <a:rPr lang="en-US" dirty="0" smtClean="0"/>
+            <a:pPr lvl="1">
+              <a:buFont typeface="Arial" panose="020B0604020202020204" pitchFamily="34" charset="0"/>
+              <a:buChar char="•"/>
+            </a:pPr>
+            <a:r>
+              <a:rPr lang="en-US" sz="2000" dirty="0"/>
               <a:t>Back end work</a:t>
             </a:r>
           </a:p>
           <a:p>
-            <a:r>
-              <a:rPr lang="en-US" dirty="0" smtClean="0"/>
+            <a:pPr lvl="1">
+              <a:buFont typeface="Arial" panose="020B0604020202020204" pitchFamily="34" charset="0"/>
+              <a:buChar char="•"/>
+            </a:pPr>
+            <a:r>
+              <a:rPr lang="en-US" sz="2000" dirty="0"/>
               <a:t>Date auto filler</a:t>
             </a:r>
-            <a:endParaRPr lang="en-US" dirty="0"/>
           </a:p>
         </p:txBody>
       </p:sp>
@@ -4055,13 +4053,6 @@
   <p:clrMapOvr>
     <a:masterClrMapping/>
   </p:clrMapOvr>
-  <p:timing>
-    <p:tnLst>
-      <p:par>
-        <p:cTn id="1" dur="indefinite" restart="never" nodeType="tmRoot"/>
-      </p:par>
-    </p:tnLst>
-  </p:timing>
 </p:sld>
 </file>
 
@@ -4098,14 +4089,9 @@
           <a:lstStyle/>
           <a:p>
             <a:r>
-              <a:rPr lang="en-US" dirty="0" smtClean="0"/>
-              <a:t>MVC </a:t>
-            </a:r>
-            <a:r>
-              <a:rPr lang="en-US" dirty="0" smtClean="0"/>
-              <a:t>– Classes (same as last week)</a:t>
-            </a:r>
-            <a:endParaRPr lang="en-US" dirty="0"/>
+              <a:rPr lang="en-US" dirty="0"/>
+              <a:t>MVC – Classes (same as last week)</a:t>
+            </a:r>
           </a:p>
         </p:txBody>
       </p:sp>
@@ -4135,9 +4121,27 @@
                 <a:tableStyleId>{F5AB1C69-6EDB-4FF4-983F-18BD219EF322}</a:tableStyleId>
               </a:tblPr>
               <a:tblGrid>
-                <a:gridCol w="3352799"/>
-                <a:gridCol w="3352799"/>
-                <a:gridCol w="3352799"/>
+                <a:gridCol w="3352799">
+                  <a:extLst>
+                    <a:ext uri="{9D8B030D-6E8A-4147-A177-3AD203B41FA5}">
+                      <a16:colId xmlns:a16="http://schemas.microsoft.com/office/drawing/2014/main" val="20000"/>
+                    </a:ext>
+                  </a:extLst>
+                </a:gridCol>
+                <a:gridCol w="3352799">
+                  <a:extLst>
+                    <a:ext uri="{9D8B030D-6E8A-4147-A177-3AD203B41FA5}">
+                      <a16:colId xmlns:a16="http://schemas.microsoft.com/office/drawing/2014/main" val="20001"/>
+                    </a:ext>
+                  </a:extLst>
+                </a:gridCol>
+                <a:gridCol w="3352799">
+                  <a:extLst>
+                    <a:ext uri="{9D8B030D-6E8A-4147-A177-3AD203B41FA5}">
+                      <a16:colId xmlns:a16="http://schemas.microsoft.com/office/drawing/2014/main" val="20002"/>
+                    </a:ext>
+                  </a:extLst>
+                </a:gridCol>
               </a:tblGrid>
               <a:tr h="370840">
                 <a:tc>
@@ -4147,10 +4151,9 @@
                     <a:p>
                       <a:pPr algn="ctr"/>
                       <a:r>
-                        <a:rPr lang="en-US" dirty="0" smtClean="0"/>
+                        <a:rPr lang="en-US" dirty="0"/>
                         <a:t>VIEW</a:t>
                       </a:r>
-                      <a:endParaRPr lang="en-US" dirty="0"/>
                     </a:p>
                   </a:txBody>
                   <a:tcPr marL="87465" marR="87465"/>
@@ -4162,10 +4165,9 @@
                     <a:p>
                       <a:pPr algn="ctr"/>
                       <a:r>
-                        <a:rPr lang="en-US" dirty="0" smtClean="0"/>
+                        <a:rPr lang="en-US" dirty="0"/>
                         <a:t>CONTROLLER</a:t>
                       </a:r>
-                      <a:endParaRPr lang="en-US" dirty="0"/>
                     </a:p>
                   </a:txBody>
                   <a:tcPr marL="87465" marR="87465"/>
@@ -4177,13 +4179,18 @@
                     <a:p>
                       <a:pPr algn="ctr"/>
                       <a:r>
-                        <a:rPr lang="en-US" dirty="0" smtClean="0"/>
+                        <a:rPr lang="en-US" dirty="0"/>
                         <a:t>MODEL</a:t>
                       </a:r>
                     </a:p>
                   </a:txBody>
                   <a:tcPr marL="87465" marR="87465"/>
                 </a:tc>
+                <a:extLst>
+                  <a:ext uri="{0D108BD9-81ED-4DB2-BD59-A6C34878D82A}">
+                    <a16:rowId xmlns:a16="http://schemas.microsoft.com/office/drawing/2014/main" val="10000"/>
+                  </a:ext>
+                </a:extLst>
               </a:tr>
               <a:tr h="370840">
                 <a:tc>
@@ -4193,7 +4200,7 @@
                     <a:p>
                       <a:pPr algn="ctr"/>
                       <a:r>
-                        <a:rPr lang="en-US" dirty="0" err="1" smtClean="0"/>
+                        <a:rPr lang="en-US" dirty="0" err="1"/>
                         <a:t>LoginScreen</a:t>
                       </a:r>
                       <a:endParaRPr lang="en-US" dirty="0"/>
@@ -4208,10 +4215,9 @@
                     <a:p>
                       <a:pPr algn="ctr"/>
                       <a:r>
-                        <a:rPr lang="en-US" dirty="0" smtClean="0"/>
+                        <a:rPr lang="en-US" dirty="0"/>
                         <a:t>Login</a:t>
                       </a:r>
-                      <a:endParaRPr lang="en-US" dirty="0"/>
                     </a:p>
                   </a:txBody>
                   <a:tcPr marL="87465" marR="87465"/>
@@ -4223,13 +4229,18 @@
                     <a:p>
                       <a:pPr algn="ctr"/>
                       <a:r>
-                        <a:rPr lang="en-US" dirty="0" smtClean="0"/>
+                        <a:rPr lang="en-US" dirty="0"/>
                         <a:t>Account</a:t>
                       </a:r>
                     </a:p>
                   </a:txBody>
                   <a:tcPr marL="87465" marR="87465"/>
                 </a:tc>
+                <a:extLst>
+                  <a:ext uri="{0D108BD9-81ED-4DB2-BD59-A6C34878D82A}">
+                    <a16:rowId xmlns:a16="http://schemas.microsoft.com/office/drawing/2014/main" val="10001"/>
+                  </a:ext>
+                </a:extLst>
               </a:tr>
               <a:tr h="370840">
                 <a:tc>
@@ -4239,7 +4250,7 @@
                     <a:p>
                       <a:pPr algn="ctr"/>
                       <a:r>
-                        <a:rPr lang="en-US" dirty="0" err="1" smtClean="0"/>
+                        <a:rPr lang="en-US" dirty="0" err="1"/>
                         <a:t>HomeScreen</a:t>
                       </a:r>
                       <a:endParaRPr lang="en-US" dirty="0"/>
@@ -4254,10 +4265,9 @@
                     <a:p>
                       <a:pPr algn="ctr"/>
                       <a:r>
-                        <a:rPr lang="en-US" dirty="0" smtClean="0"/>
+                        <a:rPr lang="en-US" dirty="0"/>
                         <a:t>Transaction</a:t>
                       </a:r>
-                      <a:endParaRPr lang="en-US" dirty="0"/>
                     </a:p>
                   </a:txBody>
                   <a:tcPr marL="87465" marR="87465"/>
@@ -4269,13 +4279,18 @@
                     <a:p>
                       <a:pPr algn="ctr"/>
                       <a:r>
-                        <a:rPr lang="en-US" dirty="0" smtClean="0"/>
+                        <a:rPr lang="en-US" dirty="0"/>
                         <a:t>User</a:t>
                       </a:r>
                     </a:p>
                   </a:txBody>
                   <a:tcPr marL="87465" marR="87465"/>
                 </a:tc>
+                <a:extLst>
+                  <a:ext uri="{0D108BD9-81ED-4DB2-BD59-A6C34878D82A}">
+                    <a16:rowId xmlns:a16="http://schemas.microsoft.com/office/drawing/2014/main" val="10002"/>
+                  </a:ext>
+                </a:extLst>
               </a:tr>
               <a:tr h="370840">
                 <a:tc>
@@ -4285,7 +4300,7 @@
                     <a:p>
                       <a:pPr algn="ctr"/>
                       <a:r>
-                        <a:rPr lang="en-US" dirty="0" err="1" smtClean="0"/>
+                        <a:rPr lang="en-US" dirty="0" err="1"/>
                         <a:t>CreateAccountScreen</a:t>
                       </a:r>
                       <a:endParaRPr lang="en-US" dirty="0"/>
@@ -4300,10 +4315,9 @@
                     <a:p>
                       <a:pPr algn="ctr"/>
                       <a:r>
-                        <a:rPr lang="en-US" dirty="0" smtClean="0"/>
+                        <a:rPr lang="en-US" dirty="0"/>
                         <a:t>Check (extends Transaction)</a:t>
                       </a:r>
-                      <a:endParaRPr lang="en-US" dirty="0"/>
                     </a:p>
                   </a:txBody>
                   <a:tcPr marL="87465" marR="87465"/>
@@ -4314,11 +4328,16 @@
                     <a:lstStyle/>
                     <a:p>
                       <a:pPr algn="ctr"/>
-                      <a:endParaRPr lang="en-US" dirty="0" smtClean="0"/>
+                      <a:endParaRPr lang="en-US" dirty="0"/>
                     </a:p>
                   </a:txBody>
                   <a:tcPr marL="87465" marR="87465"/>
                 </a:tc>
+                <a:extLst>
+                  <a:ext uri="{0D108BD9-81ED-4DB2-BD59-A6C34878D82A}">
+                    <a16:rowId xmlns:a16="http://schemas.microsoft.com/office/drawing/2014/main" val="10003"/>
+                  </a:ext>
+                </a:extLst>
               </a:tr>
               <a:tr h="370840">
                 <a:tc>
@@ -4328,7 +4347,7 @@
                     <a:p>
                       <a:pPr algn="ctr"/>
                       <a:r>
-                        <a:rPr lang="en-US" dirty="0" err="1" smtClean="0"/>
+                        <a:rPr lang="en-US" dirty="0" err="1"/>
                         <a:t>NewTransactionScreen</a:t>
                       </a:r>
                       <a:endParaRPr lang="en-US" dirty="0"/>
@@ -4343,14 +4362,13 @@
                     <a:p>
                       <a:pPr algn="ctr"/>
                       <a:r>
-                        <a:rPr lang="en-US" dirty="0" err="1" smtClean="0"/>
+                        <a:rPr lang="en-US" dirty="0" err="1"/>
                         <a:t>CreditCard</a:t>
                       </a:r>
                       <a:r>
-                        <a:rPr lang="en-US" dirty="0" smtClean="0"/>
+                        <a:rPr lang="en-US" dirty="0"/>
                         <a:t> (extends Transaction)</a:t>
                       </a:r>
-                      <a:endParaRPr lang="en-US" dirty="0"/>
                     </a:p>
                   </a:txBody>
                   <a:tcPr marL="87465" marR="87465"/>
@@ -4361,11 +4379,16 @@
                     <a:lstStyle/>
                     <a:p>
                       <a:pPr algn="ctr"/>
-                      <a:endParaRPr lang="en-US" dirty="0" smtClean="0"/>
+                      <a:endParaRPr lang="en-US" dirty="0"/>
                     </a:p>
                   </a:txBody>
                   <a:tcPr marL="87465" marR="87465"/>
                 </a:tc>
+                <a:extLst>
+                  <a:ext uri="{0D108BD9-81ED-4DB2-BD59-A6C34878D82A}">
+                    <a16:rowId xmlns:a16="http://schemas.microsoft.com/office/drawing/2014/main" val="10004"/>
+                  </a:ext>
+                </a:extLst>
               </a:tr>
             </a:tbl>
           </a:graphicData>
@@ -4405,13 +4428,6 @@
   <p:clrMapOvr>
     <a:masterClrMapping/>
   </p:clrMapOvr>
-  <p:timing>
-    <p:tnLst>
-      <p:par>
-        <p:cTn id="1" dur="indefinite" restart="never" nodeType="tmRoot"/>
-      </p:par>
-    </p:tnLst>
-  </p:timing>
 </p:sld>
 </file>
 
@@ -4448,10 +4464,9 @@
           <a:lstStyle/>
           <a:p>
             <a:r>
-              <a:rPr lang="en-US" dirty="0" smtClean="0"/>
-              <a:t>What's next</a:t>
-            </a:r>
-            <a:endParaRPr lang="en-US" dirty="0"/>
+              <a:rPr lang="en-US" dirty="0"/>
+              <a:t>What's next?</a:t>
+            </a:r>
           </a:p>
         </p:txBody>
       </p:sp>
@@ -4470,17 +4485,54 @@
           <a:bodyPr/>
           <a:lstStyle/>
           <a:p>
-            <a:r>
-              <a:rPr lang="en-US" dirty="0" smtClean="0"/>
+            <a:pPr lvl="1">
+              <a:buFont typeface="Arial" panose="020B0604020202020204" pitchFamily="34" charset="0"/>
+              <a:buChar char="•"/>
+            </a:pPr>
+            <a:r>
+              <a:rPr lang="en-US" sz="2000" dirty="0"/>
               <a:t>Modify Account button</a:t>
             </a:r>
           </a:p>
           <a:p>
-            <a:r>
-              <a:rPr lang="en-US" dirty="0" smtClean="0"/>
+            <a:pPr lvl="1">
+              <a:buFont typeface="Arial" panose="020B0604020202020204" pitchFamily="34" charset="0"/>
+              <a:buChar char="•"/>
+            </a:pPr>
+            <a:r>
+              <a:rPr lang="en-US" sz="2000" dirty="0"/>
+              <a:t>Deletes</a:t>
+            </a:r>
+          </a:p>
+          <a:p>
+            <a:pPr lvl="1">
+              <a:buFont typeface="Arial" panose="020B0604020202020204" pitchFamily="34" charset="0"/>
+              <a:buChar char="•"/>
+            </a:pPr>
+            <a:r>
+              <a:rPr lang="en-US" sz="2000" dirty="0"/>
+              <a:t>Other buttons</a:t>
+            </a:r>
+          </a:p>
+          <a:p>
+            <a:pPr lvl="1">
+              <a:buFont typeface="Arial" panose="020B0604020202020204" pitchFamily="34" charset="0"/>
+              <a:buChar char="•"/>
+            </a:pPr>
+            <a:r>
+              <a:rPr lang="en-US" sz="2000" dirty="0"/>
+              <a:t>Fire employees, start new search</a:t>
+            </a:r>
+          </a:p>
+          <a:p>
+            <a:pPr lvl="1">
+              <a:buFont typeface="Arial" panose="020B0604020202020204" pitchFamily="34" charset="0"/>
+              <a:buChar char="•"/>
+            </a:pPr>
+            <a:r>
+              <a:rPr lang="en-US" sz="2000" dirty="0"/>
               <a:t>Final touches</a:t>
             </a:r>
-            <a:endParaRPr lang="en-US" dirty="0" smtClean="0"/>
           </a:p>
           <a:p>
             <a:endParaRPr lang="en-US" dirty="0"/>
@@ -4521,13 +4573,6 @@
   <p:clrMapOvr>
     <a:masterClrMapping/>
   </p:clrMapOvr>
-  <p:timing>
-    <p:tnLst>
-      <p:par>
-        <p:cTn id="1" dur="indefinite" restart="never" nodeType="tmRoot"/>
-      </p:par>
-    </p:tnLst>
-  </p:timing>
 </p:sld>
 </file>
 
